--- a/Wiki/assets/nocsealevelKH.pptx
+++ b/Wiki/assets/nocsealevelKH.pptx
@@ -241,7 +241,7 @@
           <a:p>
             <a:fld id="{491E77F1-8A53-7A47-BB70-3D0C5F15E596}" type="datetimeFigureOut">
               <a:rPr lang="en-US" smtClean="0"/>
-              <a:t>2/22/2021</a:t>
+              <a:t>2/25/2021</a:t>
             </a:fld>
             <a:endParaRPr lang="en-US"/>
           </a:p>
@@ -3351,7 +3351,7 @@
           </a:ln>
           <a:extLst>
             <a:ext uri="{C572A759-6A51-4108-AA02-DFA0A04FC94B}">
-              <ma14:wrappingTextBoxFlag xmlns="" xmlns:ma14="http://schemas.microsoft.com/office/mac/drawingml/2011/main" val="1"/>
+              <ma14:wrappingTextBoxFlag xmlns:ma14="http://schemas.microsoft.com/office/mac/drawingml/2011/main" xmlns="" val="1"/>
             </a:ext>
           </a:extLst>
         </p:spPr>
@@ -3525,7 +3525,7 @@
           </a:ln>
           <a:extLst>
             <a:ext uri="{C572A759-6A51-4108-AA02-DFA0A04FC94B}">
-              <ma14:wrappingTextBoxFlag xmlns="" xmlns:ma14="http://schemas.microsoft.com/office/mac/drawingml/2011/main" val="1"/>
+              <ma14:wrappingTextBoxFlag xmlns:ma14="http://schemas.microsoft.com/office/mac/drawingml/2011/main" xmlns="" val="1"/>
             </a:ext>
           </a:extLst>
         </p:spPr>
@@ -3703,7 +3703,7 @@
           </a:ln>
           <a:extLst>
             <a:ext uri="{C572A759-6A51-4108-AA02-DFA0A04FC94B}">
-              <ma14:wrappingTextBoxFlag xmlns="" xmlns:ma14="http://schemas.microsoft.com/office/mac/drawingml/2011/main" val="1"/>
+              <ma14:wrappingTextBoxFlag xmlns:ma14="http://schemas.microsoft.com/office/mac/drawingml/2011/main" xmlns="" val="1"/>
             </a:ext>
           </a:extLst>
         </p:spPr>
@@ -3885,7 +3885,7 @@
           </a:ln>
           <a:extLst>
             <a:ext uri="{C572A759-6A51-4108-AA02-DFA0A04FC94B}">
-              <ma14:wrappingTextBoxFlag xmlns="" xmlns:ma14="http://schemas.microsoft.com/office/mac/drawingml/2011/main" val="1"/>
+              <ma14:wrappingTextBoxFlag xmlns:ma14="http://schemas.microsoft.com/office/mac/drawingml/2011/main" xmlns="" val="1"/>
             </a:ext>
           </a:extLst>
         </p:spPr>
@@ -4067,7 +4067,7 @@
           </a:ln>
           <a:extLst>
             <a:ext uri="{C572A759-6A51-4108-AA02-DFA0A04FC94B}">
-              <ma14:wrappingTextBoxFlag xmlns="" xmlns:ma14="http://schemas.microsoft.com/office/mac/drawingml/2011/main" val="1"/>
+              <ma14:wrappingTextBoxFlag xmlns:ma14="http://schemas.microsoft.com/office/mac/drawingml/2011/main" xmlns="" val="1"/>
             </a:ext>
           </a:extLst>
         </p:spPr>
@@ -4249,7 +4249,7 @@
           </a:ln>
           <a:extLst>
             <a:ext uri="{C572A759-6A51-4108-AA02-DFA0A04FC94B}">
-              <ma14:wrappingTextBoxFlag xmlns="" xmlns:ma14="http://schemas.microsoft.com/office/mac/drawingml/2011/main" val="1"/>
+              <ma14:wrappingTextBoxFlag xmlns:ma14="http://schemas.microsoft.com/office/mac/drawingml/2011/main" xmlns="" val="1"/>
             </a:ext>
           </a:extLst>
         </p:spPr>
@@ -5532,7 +5532,7 @@
           </a:ln>
           <a:extLst>
             <a:ext uri="{C572A759-6A51-4108-AA02-DFA0A04FC94B}">
-              <ma14:wrappingTextBoxFlag xmlns="" xmlns:ma14="http://schemas.microsoft.com/office/mac/drawingml/2011/main" val="1"/>
+              <ma14:wrappingTextBoxFlag xmlns:ma14="http://schemas.microsoft.com/office/mac/drawingml/2011/main" xmlns="" val="1"/>
             </a:ext>
           </a:extLst>
         </p:spPr>
@@ -6232,7 +6232,7 @@
           </a:ln>
           <a:extLst>
             <a:ext uri="{C572A759-6A51-4108-AA02-DFA0A04FC94B}">
-              <ma14:wrappingTextBoxFlag xmlns="" xmlns:ma14="http://schemas.microsoft.com/office/mac/drawingml/2011/main" val="1"/>
+              <ma14:wrappingTextBoxFlag xmlns:ma14="http://schemas.microsoft.com/office/mac/drawingml/2011/main" xmlns="" val="1"/>
             </a:ext>
           </a:extLst>
         </p:spPr>
@@ -6530,7 +6530,7 @@
           </a:ln>
           <a:extLst>
             <a:ext uri="{C572A759-6A51-4108-AA02-DFA0A04FC94B}">
-              <ma14:wrappingTextBoxFlag xmlns="" xmlns:ma14="http://schemas.microsoft.com/office/mac/drawingml/2011/main" val="1"/>
+              <ma14:wrappingTextBoxFlag xmlns:ma14="http://schemas.microsoft.com/office/mac/drawingml/2011/main" xmlns="" val="1"/>
             </a:ext>
           </a:extLst>
         </p:spPr>
@@ -6672,7 +6672,7 @@
           </a:ln>
           <a:extLst>
             <a:ext uri="{C572A759-6A51-4108-AA02-DFA0A04FC94B}">
-              <ma14:wrappingTextBoxFlag xmlns="" xmlns:ma14="http://schemas.microsoft.com/office/mac/drawingml/2011/main" val="1"/>
+              <ma14:wrappingTextBoxFlag xmlns:ma14="http://schemas.microsoft.com/office/mac/drawingml/2011/main" xmlns="" val="1"/>
             </a:ext>
           </a:extLst>
         </p:spPr>
@@ -11832,8 +11832,8 @@
         </p:nvSpPr>
         <p:spPr>
           <a:xfrm>
-            <a:off x="197644" y="83930"/>
-            <a:ext cx="8437500" cy="623248"/>
+            <a:off x="197644" y="-17670"/>
+            <a:ext cx="8437500" cy="434230"/>
           </a:xfrm>
         </p:spPr>
         <p:txBody>
@@ -11841,7 +11841,7 @@
           <a:lstStyle/>
           <a:p>
             <a:r>
-              <a:rPr lang="en-US" dirty="0">
+              <a:rPr lang="en-US" sz="3200" dirty="0">
                 <a:latin typeface="Arial" panose="020B0604020202020204" pitchFamily="34" charset="0"/>
                 <a:cs typeface="Arial" panose="020B0604020202020204" pitchFamily="34" charset="0"/>
               </a:rPr>
@@ -11901,8 +11901,8 @@
         </p:nvSpPr>
         <p:spPr>
           <a:xfrm>
-            <a:off x="222918" y="707178"/>
-            <a:ext cx="8424863" cy="4024962"/>
+            <a:off x="222918" y="518160"/>
+            <a:ext cx="8424863" cy="4142860"/>
           </a:xfrm>
         </p:spPr>
         <p:txBody>
@@ -12039,7 +12039,22 @@
               <a:rPr lang="en-US" dirty="0"/>
               <a:t>  </a:t>
             </a:r>
-            <a:endParaRPr lang="en-GB" dirty="0"/>
+          </a:p>
+          <a:p>
+            <a:r>
+              <a:rPr lang="en-GB" dirty="0"/>
+              <a:t>Marine Environmental Data and Information Network: </a:t>
+            </a:r>
+            <a:r>
+              <a:rPr lang="en-GB" dirty="0">
+                <a:hlinkClick r:id="rId9"/>
+              </a:rPr>
+              <a:t>https://portal.medin.org.uk/portal/start.php</a:t>
+            </a:r>
+            <a:r>
+              <a:rPr lang="en-GB" dirty="0"/>
+              <a:t> </a:t>
+            </a:r>
           </a:p>
         </p:txBody>
       </p:sp>
@@ -13474,6 +13489,15 @@
 </file>
 
 <file path=customXml/item2.xml><?xml version="1.0" encoding="utf-8"?>
+<?mso-contentType ?>
+<FormTemplates xmlns="http://schemas.microsoft.com/sharepoint/v3/contenttype/forms">
+  <Display>DocumentLibraryForm</Display>
+  <Edit>DocumentLibraryForm</Edit>
+  <New>DocumentLibraryForm</New>
+</FormTemplates>
+</file>
+
+<file path=customXml/item3.xml><?xml version="1.0" encoding="utf-8"?>
 <ct:contentTypeSchema xmlns:ct="http://schemas.microsoft.com/office/2006/metadata/contentType" xmlns:ma="http://schemas.microsoft.com/office/2006/metadata/properties/metaAttributes" ct:_="" ma:_="" ma:contentTypeName="Document" ma:contentTypeID="0x010100237694180A688845802A50A8CDC6F3E3" ma:contentTypeVersion="12" ma:contentTypeDescription="Create a new document." ma:contentTypeScope="" ma:versionID="9ed40705e05a0ca2268a926a3829781e">
   <xsd:schema xmlns:xsd="http://www.w3.org/2001/XMLSchema" xmlns:xs="http://www.w3.org/2001/XMLSchema" xmlns:p="http://schemas.microsoft.com/office/2006/metadata/properties" xmlns:ns2="9ef02c98-fd14-4d6d-aff8-6b7a361d0126" xmlns:ns3="8e81d20b-a9f7-4851-b87d-0ea8ec1a8844" targetNamespace="http://schemas.microsoft.com/office/2006/metadata/properties" ma:root="true" ma:fieldsID="0f40be4f778e3a0f08cba9157435a749" ns2:_="" ns3:_="">
     <xsd:import namespace="9ef02c98-fd14-4d6d-aff8-6b7a361d0126"/>
@@ -13690,26 +13714,17 @@
 </ct:contentTypeSchema>
 </file>
 
-<file path=customXml/item3.xml><?xml version="1.0" encoding="utf-8"?>
-<?mso-contentType ?>
-<FormTemplates xmlns="http://schemas.microsoft.com/sharepoint/v3/contenttype/forms">
-  <Display>DocumentLibraryForm</Display>
-  <Edit>DocumentLibraryForm</Edit>
-  <New>DocumentLibraryForm</New>
-</FormTemplates>
-</file>
-
 <file path=customXml/itemProps1.xml><?xml version="1.0" encoding="utf-8"?>
 <ds:datastoreItem xmlns:ds="http://schemas.openxmlformats.org/officeDocument/2006/customXml" ds:itemID="{E7888B4C-27AE-47E5-8D30-98C6E7016CBC}">
   <ds:schemaRefs>
+    <ds:schemaRef ds:uri="http://purl.org/dc/terms/"/>
+    <ds:schemaRef ds:uri="9ef02c98-fd14-4d6d-aff8-6b7a361d0126"/>
+    <ds:schemaRef ds:uri="http://schemas.microsoft.com/office/2006/documentManagement/types"/>
+    <ds:schemaRef ds:uri="http://schemas.microsoft.com/office/2006/metadata/properties"/>
     <ds:schemaRef ds:uri="http://purl.org/dc/elements/1.1/"/>
-    <ds:schemaRef ds:uri="http://schemas.microsoft.com/office/2006/metadata/properties"/>
-    <ds:schemaRef ds:uri="http://purl.org/dc/terms/"/>
     <ds:schemaRef ds:uri="http://schemas.openxmlformats.org/package/2006/metadata/core-properties"/>
-    <ds:schemaRef ds:uri="http://schemas.microsoft.com/office/2006/documentManagement/types"/>
+    <ds:schemaRef ds:uri="8e81d20b-a9f7-4851-b87d-0ea8ec1a8844"/>
     <ds:schemaRef ds:uri="http://schemas.microsoft.com/office/infopath/2007/PartnerControls"/>
-    <ds:schemaRef ds:uri="9ef02c98-fd14-4d6d-aff8-6b7a361d0126"/>
-    <ds:schemaRef ds:uri="8e81d20b-a9f7-4851-b87d-0ea8ec1a8844"/>
     <ds:schemaRef ds:uri="http://www.w3.org/XML/1998/namespace"/>
     <ds:schemaRef ds:uri="http://purl.org/dc/dcmitype/"/>
   </ds:schemaRefs>
@@ -13717,6 +13732,14 @@
 </file>
 
 <file path=customXml/itemProps2.xml><?xml version="1.0" encoding="utf-8"?>
+<ds:datastoreItem xmlns:ds="http://schemas.openxmlformats.org/officeDocument/2006/customXml" ds:itemID="{F375A773-D0A3-4DE7-9BD1-58FF6B5ABE3C}">
+  <ds:schemaRefs>
+    <ds:schemaRef ds:uri="http://schemas.microsoft.com/sharepoint/v3/contenttype/forms"/>
+  </ds:schemaRefs>
+</ds:datastoreItem>
+</file>
+
+<file path=customXml/itemProps3.xml><?xml version="1.0" encoding="utf-8"?>
 <ds:datastoreItem xmlns:ds="http://schemas.openxmlformats.org/officeDocument/2006/customXml" ds:itemID="{3315D77B-3A1E-4AB1-9E3F-CFF992FEA081}">
   <ds:schemaRefs>
     <ds:schemaRef ds:uri="http://schemas.microsoft.com/office/2006/metadata/contentType"/>
@@ -13733,12 +13756,4 @@
     <ds:schemaRef ds:uri="http://schemas.microsoft.com/internal/obd"/>
   </ds:schemaRefs>
 </ds:datastoreItem>
-</file>
-
-<file path=customXml/itemProps3.xml><?xml version="1.0" encoding="utf-8"?>
-<ds:datastoreItem xmlns:ds="http://schemas.openxmlformats.org/officeDocument/2006/customXml" ds:itemID="{F375A773-D0A3-4DE7-9BD1-58FF6B5ABE3C}">
-  <ds:schemaRefs>
-    <ds:schemaRef ds:uri="http://schemas.microsoft.com/sharepoint/v3/contenttype/forms"/>
-  </ds:schemaRefs>
-</ds:datastoreItem>
 </file>